--- a/challenges/unlink/Unlink.pptx
+++ b/challenges/unlink/Unlink.pptx
@@ -22172,7 +22172,7 @@
           <a:p>
             <a:fld id="{2DA23E8D-1792-1541-9147-970A8DD8A355}" type="datetimeFigureOut">
               <a:rPr lang="en-US" smtClean="0"/>
-              <a:t>4/6/21</a:t>
+              <a:t>5/25/21</a:t>
             </a:fld>
             <a:endParaRPr lang="en-US" dirty="0"/>
           </a:p>
@@ -22642,7 +22642,7 @@
                 <a:latin typeface="Calibri"/>
               </a:rPr>
               <a:pPr/>
-              <a:t>4/6/21</a:t>
+              <a:t>5/25/21</a:t>
             </a:fld>
             <a:endParaRPr lang="en-US" dirty="0">
               <a:solidFill>
@@ -22895,7 +22895,7 @@
                 <a:latin typeface="Calibri"/>
               </a:rPr>
               <a:pPr/>
-              <a:t>4/6/21</a:t>
+              <a:t>5/25/21</a:t>
             </a:fld>
             <a:endParaRPr lang="en-US" dirty="0">
               <a:solidFill>
@@ -23110,7 +23110,7 @@
                 <a:latin typeface="Calibri"/>
               </a:rPr>
               <a:pPr/>
-              <a:t>4/6/21</a:t>
+              <a:t>5/25/21</a:t>
             </a:fld>
             <a:endParaRPr lang="en-US" dirty="0">
               <a:solidFill>
@@ -23508,7 +23508,7 @@
                 <a:latin typeface="Calibri"/>
               </a:rPr>
               <a:pPr/>
-              <a:t>4/6/21</a:t>
+              <a:t>5/25/21</a:t>
             </a:fld>
             <a:endParaRPr lang="en-US" dirty="0">
               <a:solidFill>
@@ -23850,7 +23850,7 @@
                 <a:latin typeface="Calibri"/>
               </a:rPr>
               <a:pPr/>
-              <a:t>4/6/21</a:t>
+              <a:t>5/25/21</a:t>
             </a:fld>
             <a:endParaRPr lang="en-US" dirty="0">
               <a:solidFill>
@@ -24178,7 +24178,7 @@
                 <a:latin typeface="Calibri"/>
               </a:rPr>
               <a:pPr/>
-              <a:t>4/6/21</a:t>
+              <a:t>5/25/21</a:t>
             </a:fld>
             <a:endParaRPr lang="en-US" dirty="0">
               <a:solidFill>
@@ -24667,7 +24667,7 @@
                 <a:latin typeface="Calibri"/>
               </a:rPr>
               <a:pPr/>
-              <a:t>4/6/21</a:t>
+              <a:t>5/25/21</a:t>
             </a:fld>
             <a:endParaRPr lang="en-US" dirty="0">
               <a:solidFill>
@@ -24850,7 +24850,7 @@
                 <a:latin typeface="Calibri"/>
               </a:rPr>
               <a:pPr/>
-              <a:t>4/6/21</a:t>
+              <a:t>5/25/21</a:t>
             </a:fld>
             <a:endParaRPr lang="en-US" dirty="0">
               <a:solidFill>
@@ -25096,7 +25096,7 @@
                 <a:latin typeface="Calibri"/>
               </a:rPr>
               <a:pPr/>
-              <a:t>4/6/21</a:t>
+              <a:t>5/25/21</a:t>
             </a:fld>
             <a:endParaRPr lang="en-US" dirty="0">
               <a:solidFill>
@@ -25438,7 +25438,7 @@
                 <a:latin typeface="Calibri"/>
               </a:rPr>
               <a:pPr/>
-              <a:t>4/6/21</a:t>
+              <a:t>5/25/21</a:t>
             </a:fld>
             <a:endParaRPr lang="en-US" dirty="0">
               <a:solidFill>
@@ -25730,7 +25730,7 @@
                 <a:latin typeface="Calibri"/>
               </a:rPr>
               <a:pPr/>
-              <a:t>4/6/21</a:t>
+              <a:t>5/25/21</a:t>
             </a:fld>
             <a:endParaRPr lang="en-US" dirty="0">
               <a:solidFill>
@@ -25980,7 +25980,7 @@
                 <a:latin typeface="Calibri"/>
               </a:rPr>
               <a:pPr defTabSz="914400"/>
-              <a:t>4/6/21</a:t>
+              <a:t>5/25/21</a:t>
             </a:fld>
             <a:endParaRPr lang="en-US" dirty="0">
               <a:solidFill>
@@ -44714,37 +44714,6 @@
       </p:sp>
       <p:pic>
         <p:nvPicPr>
-          <p:cNvPr id="13" name="Content Placeholder 4" descr="Unlink Mitigation">
-            <a:extLst>
-              <a:ext uri="{FF2B5EF4-FFF2-40B4-BE49-F238E27FC236}">
-                <a16:creationId xmlns:a16="http://schemas.microsoft.com/office/drawing/2014/main" id="{E2D7F700-5AD9-E749-A930-4450D98053D2}"/>
-              </a:ext>
-            </a:extLst>
-          </p:cNvPr>
-          <p:cNvPicPr>
-            <a:picLocks noChangeAspect="1"/>
-          </p:cNvPicPr>
-          <p:nvPr/>
-        </p:nvPicPr>
-        <p:blipFill>
-          <a:blip r:embed="rId2"/>
-          <a:stretch>
-            <a:fillRect/>
-          </a:stretch>
-        </p:blipFill>
-        <p:spPr>
-          <a:xfrm>
-            <a:off x="2195582" y="3995951"/>
-            <a:ext cx="6892446" cy="1120021"/>
-          </a:xfrm>
-          <a:prstGeom prst="rect">
-            <a:avLst/>
-          </a:prstGeom>
-          <a:noFill/>
-        </p:spPr>
-      </p:pic>
-      <p:pic>
-        <p:nvPicPr>
           <p:cNvPr id="6" name="Content Placeholder 5" descr="Overwrite the pointer itself">
             <a:extLst>
               <a:ext uri="{FF2B5EF4-FFF2-40B4-BE49-F238E27FC236}">
@@ -44760,7 +44729,7 @@
           </p:nvPr>
         </p:nvPicPr>
         <p:blipFill>
-          <a:blip r:embed="rId3"/>
+          <a:blip r:embed="rId2"/>
           <a:stretch>
             <a:fillRect/>
           </a:stretch>
@@ -44770,6 +44739,37 @@
             <a:off x="335830" y="1091374"/>
             <a:ext cx="3972220" cy="3182422"/>
           </a:xfrm>
+        </p:spPr>
+      </p:pic>
+      <p:pic>
+        <p:nvPicPr>
+          <p:cNvPr id="13" name="Content Placeholder 4" descr="Unlink Mitigation">
+            <a:extLst>
+              <a:ext uri="{FF2B5EF4-FFF2-40B4-BE49-F238E27FC236}">
+                <a16:creationId xmlns:a16="http://schemas.microsoft.com/office/drawing/2014/main" id="{E2D7F700-5AD9-E749-A930-4450D98053D2}"/>
+              </a:ext>
+            </a:extLst>
+          </p:cNvPr>
+          <p:cNvPicPr>
+            <a:picLocks noChangeAspect="1"/>
+          </p:cNvPicPr>
+          <p:nvPr/>
+        </p:nvPicPr>
+        <p:blipFill>
+          <a:blip r:embed="rId3"/>
+          <a:stretch>
+            <a:fillRect/>
+          </a:stretch>
+        </p:blipFill>
+        <p:spPr>
+          <a:xfrm>
+            <a:off x="2195582" y="3995951"/>
+            <a:ext cx="6892446" cy="1120021"/>
+          </a:xfrm>
+          <a:prstGeom prst="rect">
+            <a:avLst/>
+          </a:prstGeom>
+          <a:noFill/>
         </p:spPr>
       </p:pic>
     </p:spTree>

--- a/challenges/unlink/Unlink.pptx
+++ b/challenges/unlink/Unlink.pptx
@@ -6422,22 +6422,22 @@
         <a:lstStyle/>
         <a:p>
           <a:r>
-            <a:rPr lang="en-US"/>
+            <a:rPr lang="en-US" dirty="0"/>
             <a:t>Both </a:t>
           </a:r>
           <a:r>
-            <a:rPr lang="en-US" b="1"/>
+            <a:rPr lang="en-US" b="1" dirty="0"/>
             <a:t>below</a:t>
           </a:r>
           <a:r>
-            <a:rPr lang="en-US"/>
+            <a:rPr lang="en-US" dirty="0"/>
             <a:t> and </a:t>
           </a:r>
           <a:r>
-            <a:rPr lang="en-US" b="1"/>
+            <a:rPr lang="en-US" b="1" dirty="0"/>
             <a:t>above</a:t>
           </a:r>
-          <a:endParaRPr lang="en-US"/>
+          <a:endParaRPr lang="en-US" dirty="0"/>
         </a:p>
       </dgm:t>
     </dgm:pt>
@@ -6623,8 +6623,8 @@
         <a:lstStyle/>
         <a:p>
           <a:r>
-            <a:rPr lang="en-US"/>
-            <a:t>Add back into bins</a:t>
+            <a:rPr lang="en-US" dirty="0"/>
+            <a:t>Add new combined chunk back into a bin</a:t>
           </a:r>
         </a:p>
       </dgm:t>
@@ -9141,22 +9141,22 @@
             <a:buChar char="•"/>
           </a:pPr>
           <a:r>
-            <a:rPr lang="en-US" sz="2000" kern="1200"/>
+            <a:rPr lang="en-US" sz="2000" kern="1200" dirty="0"/>
             <a:t>Both </a:t>
           </a:r>
           <a:r>
-            <a:rPr lang="en-US" sz="2000" b="1" kern="1200"/>
+            <a:rPr lang="en-US" sz="2000" b="1" kern="1200" dirty="0"/>
             <a:t>below</a:t>
           </a:r>
           <a:r>
-            <a:rPr lang="en-US" sz="2000" kern="1200"/>
+            <a:rPr lang="en-US" sz="2000" kern="1200" dirty="0"/>
             <a:t> and </a:t>
           </a:r>
           <a:r>
-            <a:rPr lang="en-US" sz="2000" b="1" kern="1200"/>
+            <a:rPr lang="en-US" sz="2000" b="1" kern="1200" dirty="0"/>
             <a:t>above</a:t>
           </a:r>
-          <a:endParaRPr lang="en-US" sz="2000" kern="1200"/>
+          <a:endParaRPr lang="en-US" sz="2000" kern="1200" dirty="0"/>
         </a:p>
         <a:p>
           <a:pPr marL="228600" lvl="1" indent="-228600" algn="l" defTabSz="889000">
@@ -9405,8 +9405,8 @@
             <a:buChar char="•"/>
           </a:pPr>
           <a:r>
-            <a:rPr lang="en-US" sz="2000" kern="1200"/>
-            <a:t>Add back into bins</a:t>
+            <a:rPr lang="en-US" sz="2000" kern="1200" dirty="0"/>
+            <a:t>Add new combined chunk back into a bin</a:t>
           </a:r>
         </a:p>
       </dsp:txBody>
@@ -22172,7 +22172,7 @@
           <a:p>
             <a:fld id="{2DA23E8D-1792-1541-9147-970A8DD8A355}" type="datetimeFigureOut">
               <a:rPr lang="en-US" smtClean="0"/>
-              <a:t>5/25/21</a:t>
+              <a:t>6/1/21</a:t>
             </a:fld>
             <a:endParaRPr lang="en-US" dirty="0"/>
           </a:p>
@@ -22642,7 +22642,7 @@
                 <a:latin typeface="Calibri"/>
               </a:rPr>
               <a:pPr/>
-              <a:t>5/25/21</a:t>
+              <a:t>6/1/21</a:t>
             </a:fld>
             <a:endParaRPr lang="en-US" dirty="0">
               <a:solidFill>
@@ -22895,7 +22895,7 @@
                 <a:latin typeface="Calibri"/>
               </a:rPr>
               <a:pPr/>
-              <a:t>5/25/21</a:t>
+              <a:t>6/1/21</a:t>
             </a:fld>
             <a:endParaRPr lang="en-US" dirty="0">
               <a:solidFill>
@@ -23110,7 +23110,7 @@
                 <a:latin typeface="Calibri"/>
               </a:rPr>
               <a:pPr/>
-              <a:t>5/25/21</a:t>
+              <a:t>6/1/21</a:t>
             </a:fld>
             <a:endParaRPr lang="en-US" dirty="0">
               <a:solidFill>
@@ -23508,7 +23508,7 @@
                 <a:latin typeface="Calibri"/>
               </a:rPr>
               <a:pPr/>
-              <a:t>5/25/21</a:t>
+              <a:t>6/1/21</a:t>
             </a:fld>
             <a:endParaRPr lang="en-US" dirty="0">
               <a:solidFill>
@@ -23850,7 +23850,7 @@
                 <a:latin typeface="Calibri"/>
               </a:rPr>
               <a:pPr/>
-              <a:t>5/25/21</a:t>
+              <a:t>6/1/21</a:t>
             </a:fld>
             <a:endParaRPr lang="en-US" dirty="0">
               <a:solidFill>
@@ -24178,7 +24178,7 @@
                 <a:latin typeface="Calibri"/>
               </a:rPr>
               <a:pPr/>
-              <a:t>5/25/21</a:t>
+              <a:t>6/1/21</a:t>
             </a:fld>
             <a:endParaRPr lang="en-US" dirty="0">
               <a:solidFill>
@@ -24667,7 +24667,7 @@
                 <a:latin typeface="Calibri"/>
               </a:rPr>
               <a:pPr/>
-              <a:t>5/25/21</a:t>
+              <a:t>6/1/21</a:t>
             </a:fld>
             <a:endParaRPr lang="en-US" dirty="0">
               <a:solidFill>
@@ -24850,7 +24850,7 @@
                 <a:latin typeface="Calibri"/>
               </a:rPr>
               <a:pPr/>
-              <a:t>5/25/21</a:t>
+              <a:t>6/1/21</a:t>
             </a:fld>
             <a:endParaRPr lang="en-US" dirty="0">
               <a:solidFill>
@@ -25096,7 +25096,7 @@
                 <a:latin typeface="Calibri"/>
               </a:rPr>
               <a:pPr/>
-              <a:t>5/25/21</a:t>
+              <a:t>6/1/21</a:t>
             </a:fld>
             <a:endParaRPr lang="en-US" dirty="0">
               <a:solidFill>
@@ -25438,7 +25438,7 @@
                 <a:latin typeface="Calibri"/>
               </a:rPr>
               <a:pPr/>
-              <a:t>5/25/21</a:t>
+              <a:t>6/1/21</a:t>
             </a:fld>
             <a:endParaRPr lang="en-US" dirty="0">
               <a:solidFill>
@@ -25730,7 +25730,7 @@
                 <a:latin typeface="Calibri"/>
               </a:rPr>
               <a:pPr/>
-              <a:t>5/25/21</a:t>
+              <a:t>6/1/21</a:t>
             </a:fld>
             <a:endParaRPr lang="en-US" dirty="0">
               <a:solidFill>
@@ -25980,7 +25980,7 @@
                 <a:latin typeface="Calibri"/>
               </a:rPr>
               <a:pPr defTabSz="914400"/>
-              <a:t>5/25/21</a:t>
+              <a:t>6/1/21</a:t>
             </a:fld>
             <a:endParaRPr lang="en-US" dirty="0">
               <a:solidFill>
@@ -32441,7 +32441,7 @@
           <a:p>
             <a:r>
               <a:rPr lang="en-US" dirty="0"/>
-              <a:t>Writing to P-&gt;fd</a:t>
+              <a:t>Writing to P-&gt;bk</a:t>
             </a:r>
           </a:p>
           <a:p>
@@ -32451,13 +32451,13 @@
             </a:r>
             <a:r>
               <a:rPr lang="en-US" b="1" dirty="0"/>
-              <a:t>P + 0x10</a:t>
+              <a:t>P + 0x18</a:t>
             </a:r>
           </a:p>
           <a:p>
             <a:r>
               <a:rPr lang="en-US" dirty="0"/>
-              <a:t>P + 0x10 = P-&gt;fd</a:t>
+              <a:t>P + 0x18 = P-&gt;bk</a:t>
             </a:r>
           </a:p>
           <a:p>
@@ -35137,7 +35137,7 @@
               <a:t>For GOT, overwrite </a:t>
             </a:r>
             <a:r>
-              <a:rPr lang="en-US" i="1" dirty="0"/>
+              <a:rPr lang="en-US" b="1" i="1" dirty="0"/>
               <a:t>puts</a:t>
             </a:r>
             <a:r>
@@ -35155,7 +35155,7 @@
           <a:p>
             <a:r>
               <a:rPr lang="en-US" dirty="0"/>
-              <a:t>Address of Heap/Stack with Shellcode: </a:t>
+              <a:t>Address of Heap with Shellcode: </a:t>
             </a:r>
           </a:p>
           <a:p>
@@ -35359,7 +35359,7 @@
         </p:blipFill>
         <p:spPr>
           <a:xfrm>
-            <a:off x="145504" y="967376"/>
+            <a:off x="460058" y="953683"/>
             <a:ext cx="2625688" cy="2066116"/>
           </a:xfrm>
           <a:prstGeom prst="rect">
@@ -40724,7 +40724,7 @@
             <p:ph idx="1"/>
             <p:extLst>
               <p:ext uri="{D42A27DB-BD31-4B8C-83A1-F6EECF244321}">
-                <p14:modId xmlns:p14="http://schemas.microsoft.com/office/powerpoint/2010/main" val="1197027312"/>
+                <p14:modId xmlns:p14="http://schemas.microsoft.com/office/powerpoint/2010/main" val="2885620417"/>
               </p:ext>
             </p:extLst>
           </p:nvPr>
@@ -40739,36 +40739,6 @@
           </a:graphicData>
         </a:graphic>
       </p:graphicFrame>
-      <p:pic>
-        <p:nvPicPr>
-          <p:cNvPr id="4" name="Picture 3" descr="A screenshot of a cell phone&#10;&#10;Description automatically generated">
-            <a:extLst>
-              <a:ext uri="{FF2B5EF4-FFF2-40B4-BE49-F238E27FC236}">
-                <a16:creationId xmlns:a16="http://schemas.microsoft.com/office/drawing/2014/main" id="{63930DE7-404C-214A-948E-EBC79142BB31}"/>
-              </a:ext>
-            </a:extLst>
-          </p:cNvPr>
-          <p:cNvPicPr>
-            <a:picLocks noChangeAspect="1"/>
-          </p:cNvPicPr>
-          <p:nvPr/>
-        </p:nvPicPr>
-        <p:blipFill>
-          <a:blip r:embed="rId7"/>
-          <a:stretch>
-            <a:fillRect/>
-          </a:stretch>
-        </p:blipFill>
-        <p:spPr>
-          <a:xfrm>
-            <a:off x="7636967" y="398630"/>
-            <a:ext cx="1507033" cy="1675821"/>
-          </a:xfrm>
-          <a:prstGeom prst="rect">
-            <a:avLst/>
-          </a:prstGeom>
-        </p:spPr>
-      </p:pic>
     </p:spTree>
     <p:extLst>
       <p:ext uri="{BB962C8B-B14F-4D97-AF65-F5344CB8AC3E}">

--- a/challenges/unlink/Unlink.pptx
+++ b/challenges/unlink/Unlink.pptx
@@ -22172,7 +22172,7 @@
           <a:p>
             <a:fld id="{2DA23E8D-1792-1541-9147-970A8DD8A355}" type="datetimeFigureOut">
               <a:rPr lang="en-US" smtClean="0"/>
-              <a:t>6/1/21</a:t>
+              <a:t>6/3/21</a:t>
             </a:fld>
             <a:endParaRPr lang="en-US" dirty="0"/>
           </a:p>
@@ -22642,7 +22642,7 @@
                 <a:latin typeface="Calibri"/>
               </a:rPr>
               <a:pPr/>
-              <a:t>6/1/21</a:t>
+              <a:t>6/3/21</a:t>
             </a:fld>
             <a:endParaRPr lang="en-US" dirty="0">
               <a:solidFill>
@@ -22895,7 +22895,7 @@
                 <a:latin typeface="Calibri"/>
               </a:rPr>
               <a:pPr/>
-              <a:t>6/1/21</a:t>
+              <a:t>6/3/21</a:t>
             </a:fld>
             <a:endParaRPr lang="en-US" dirty="0">
               <a:solidFill>
@@ -23110,7 +23110,7 @@
                 <a:latin typeface="Calibri"/>
               </a:rPr>
               <a:pPr/>
-              <a:t>6/1/21</a:t>
+              <a:t>6/3/21</a:t>
             </a:fld>
             <a:endParaRPr lang="en-US" dirty="0">
               <a:solidFill>
@@ -23508,7 +23508,7 @@
                 <a:latin typeface="Calibri"/>
               </a:rPr>
               <a:pPr/>
-              <a:t>6/1/21</a:t>
+              <a:t>6/3/21</a:t>
             </a:fld>
             <a:endParaRPr lang="en-US" dirty="0">
               <a:solidFill>
@@ -23850,7 +23850,7 @@
                 <a:latin typeface="Calibri"/>
               </a:rPr>
               <a:pPr/>
-              <a:t>6/1/21</a:t>
+              <a:t>6/3/21</a:t>
             </a:fld>
             <a:endParaRPr lang="en-US" dirty="0">
               <a:solidFill>
@@ -24178,7 +24178,7 @@
                 <a:latin typeface="Calibri"/>
               </a:rPr>
               <a:pPr/>
-              <a:t>6/1/21</a:t>
+              <a:t>6/3/21</a:t>
             </a:fld>
             <a:endParaRPr lang="en-US" dirty="0">
               <a:solidFill>
@@ -24667,7 +24667,7 @@
                 <a:latin typeface="Calibri"/>
               </a:rPr>
               <a:pPr/>
-              <a:t>6/1/21</a:t>
+              <a:t>6/3/21</a:t>
             </a:fld>
             <a:endParaRPr lang="en-US" dirty="0">
               <a:solidFill>
@@ -24850,7 +24850,7 @@
                 <a:latin typeface="Calibri"/>
               </a:rPr>
               <a:pPr/>
-              <a:t>6/1/21</a:t>
+              <a:t>6/3/21</a:t>
             </a:fld>
             <a:endParaRPr lang="en-US" dirty="0">
               <a:solidFill>
@@ -25096,7 +25096,7 @@
                 <a:latin typeface="Calibri"/>
               </a:rPr>
               <a:pPr/>
-              <a:t>6/1/21</a:t>
+              <a:t>6/3/21</a:t>
             </a:fld>
             <a:endParaRPr lang="en-US" dirty="0">
               <a:solidFill>
@@ -25438,7 +25438,7 @@
                 <a:latin typeface="Calibri"/>
               </a:rPr>
               <a:pPr/>
-              <a:t>6/1/21</a:t>
+              <a:t>6/3/21</a:t>
             </a:fld>
             <a:endParaRPr lang="en-US" dirty="0">
               <a:solidFill>
@@ -25730,7 +25730,7 @@
                 <a:latin typeface="Calibri"/>
               </a:rPr>
               <a:pPr/>
-              <a:t>6/1/21</a:t>
+              <a:t>6/3/21</a:t>
             </a:fld>
             <a:endParaRPr lang="en-US" dirty="0">
               <a:solidFill>
@@ -25980,7 +25980,7 @@
                 <a:latin typeface="Calibri"/>
               </a:rPr>
               <a:pPr defTabSz="914400"/>
-              <a:t>6/1/21</a:t>
+              <a:t>6/3/21</a:t>
             </a:fld>
             <a:endParaRPr lang="en-US" dirty="0">
               <a:solidFill>
@@ -27552,10 +27552,10 @@
       </p:grpSpPr>
       <p:pic>
         <p:nvPicPr>
-          <p:cNvPr id="31" name="Picture 30" descr="Unlink macro with easy variable subs">
+          <p:cNvPr id="5" name="Picture 4" descr="Unlink macro: replaced FD with A and BK with C and P with B">
             <a:extLst>
               <a:ext uri="{FF2B5EF4-FFF2-40B4-BE49-F238E27FC236}">
-                <a16:creationId xmlns:a16="http://schemas.microsoft.com/office/drawing/2014/main" id="{166B48B5-7057-944E-A382-6DACE7CF59F6}"/>
+                <a16:creationId xmlns:a16="http://schemas.microsoft.com/office/drawing/2014/main" id="{0748EDD9-9145-B74E-A89A-BE4AE3D501EF}"/>
               </a:ext>
             </a:extLst>
           </p:cNvPr>
@@ -27572,8 +27572,8 @@
         </p:blipFill>
         <p:spPr>
           <a:xfrm>
-            <a:off x="205493" y="1089217"/>
-            <a:ext cx="3339020" cy="1680867"/>
+            <a:off x="94254" y="1203858"/>
+            <a:ext cx="3334749" cy="1643555"/>
           </a:xfrm>
           <a:prstGeom prst="rect">
             <a:avLst/>
@@ -27753,8 +27753,8 @@
         </p:nvCxnSpPr>
         <p:spPr>
           <a:xfrm>
-            <a:off x="628650" y="1786013"/>
-            <a:ext cx="910901" cy="0"/>
+            <a:off x="538259" y="1694573"/>
+            <a:ext cx="1122590" cy="0"/>
           </a:xfrm>
           <a:prstGeom prst="line">
             <a:avLst/>
@@ -27796,7 +27796,7 @@
         </p:nvCxnSpPr>
         <p:spPr>
           <a:xfrm>
-            <a:off x="628650" y="2028239"/>
+            <a:off x="538259" y="1936799"/>
             <a:ext cx="1032199" cy="0"/>
           </a:xfrm>
           <a:prstGeom prst="line">
@@ -28770,6 +28770,36 @@
           <a:chExt cx="0" cy="0"/>
         </a:xfrm>
       </p:grpSpPr>
+      <p:pic>
+        <p:nvPicPr>
+          <p:cNvPr id="6" name="Picture 5" descr="Unlink macro: replaced FD with A and BK with C and P with B">
+            <a:extLst>
+              <a:ext uri="{FF2B5EF4-FFF2-40B4-BE49-F238E27FC236}">
+                <a16:creationId xmlns:a16="http://schemas.microsoft.com/office/drawing/2014/main" id="{AE5C58EE-656F-F745-80EE-24657CF464F6}"/>
+              </a:ext>
+            </a:extLst>
+          </p:cNvPr>
+          <p:cNvPicPr>
+            <a:picLocks noChangeAspect="1"/>
+          </p:cNvPicPr>
+          <p:nvPr/>
+        </p:nvPicPr>
+        <p:blipFill>
+          <a:blip r:embed="rId2"/>
+          <a:stretch>
+            <a:fillRect/>
+          </a:stretch>
+        </p:blipFill>
+        <p:spPr>
+          <a:xfrm>
+            <a:off x="423438" y="1196685"/>
+            <a:ext cx="7358106" cy="3626495"/>
+          </a:xfrm>
+          <a:prstGeom prst="rect">
+            <a:avLst/>
+          </a:prstGeom>
+        </p:spPr>
+      </p:pic>
       <p:sp>
         <p:nvSpPr>
           <p:cNvPr id="2" name="Title 1">
@@ -28798,36 +28828,6 @@
           </a:p>
         </p:txBody>
       </p:sp>
-      <p:pic>
-        <p:nvPicPr>
-          <p:cNvPr id="8" name="Picture 7" descr="Unlink macro with easy variable subs">
-            <a:extLst>
-              <a:ext uri="{FF2B5EF4-FFF2-40B4-BE49-F238E27FC236}">
-                <a16:creationId xmlns:a16="http://schemas.microsoft.com/office/drawing/2014/main" id="{7DB8258D-F2FF-6C40-BC89-E75F0044236B}"/>
-              </a:ext>
-            </a:extLst>
-          </p:cNvPr>
-          <p:cNvPicPr>
-            <a:picLocks noChangeAspect="1"/>
-          </p:cNvPicPr>
-          <p:nvPr/>
-        </p:nvPicPr>
-        <p:blipFill>
-          <a:blip r:embed="rId2"/>
-          <a:stretch>
-            <a:fillRect/>
-          </a:stretch>
-        </p:blipFill>
-        <p:spPr>
-          <a:xfrm>
-            <a:off x="923950" y="1203164"/>
-            <a:ext cx="6475226" cy="3259637"/>
-          </a:xfrm>
-          <a:prstGeom prst="rect">
-            <a:avLst/>
-          </a:prstGeom>
-        </p:spPr>
-      </p:pic>
       <p:cxnSp>
         <p:nvCxnSpPr>
           <p:cNvPr id="10" name="Straight Connector 9">
@@ -28844,8 +28844,8 @@
         </p:nvCxnSpPr>
         <p:spPr>
           <a:xfrm>
-            <a:off x="1785646" y="2571750"/>
-            <a:ext cx="1853293" cy="0"/>
+            <a:off x="1438174" y="2242566"/>
+            <a:ext cx="2429738" cy="0"/>
           </a:xfrm>
           <a:prstGeom prst="line">
             <a:avLst/>
@@ -28887,8 +28887,8 @@
         </p:nvCxnSpPr>
         <p:spPr>
           <a:xfrm>
-            <a:off x="1785646" y="3009933"/>
-            <a:ext cx="1853293" cy="0"/>
+            <a:off x="1438174" y="2808765"/>
+            <a:ext cx="2429738" cy="0"/>
           </a:xfrm>
           <a:prstGeom prst="line">
             <a:avLst/>
@@ -29153,118 +29153,6 @@
           <a:chExt cx="0" cy="0"/>
         </a:xfrm>
       </p:grpSpPr>
-      <p:sp>
-        <p:nvSpPr>
-          <p:cNvPr id="2" name="Title 1">
-            <a:extLst>
-              <a:ext uri="{FF2B5EF4-FFF2-40B4-BE49-F238E27FC236}">
-                <a16:creationId xmlns:a16="http://schemas.microsoft.com/office/drawing/2014/main" id="{C80281A4-A325-8E4D-A866-CFF7EF2C905F}"/>
-              </a:ext>
-            </a:extLst>
-          </p:cNvPr>
-          <p:cNvSpPr>
-            <a:spLocks noGrp="1"/>
-          </p:cNvSpPr>
-          <p:nvPr>
-            <p:ph type="title"/>
-          </p:nvPr>
-        </p:nvSpPr>
-        <p:spPr>
-          <a:xfrm>
-            <a:off x="628650" y="273847"/>
-            <a:ext cx="7886700" cy="994172"/>
-          </a:xfrm>
-        </p:spPr>
-        <p:txBody>
-          <a:bodyPr anchor="ctr">
-            <a:normAutofit/>
-          </a:bodyPr>
-          <a:lstStyle/>
-          <a:p>
-            <a:r>
-              <a:rPr lang="en-US" dirty="0"/>
-              <a:t>Corrupted Unlink</a:t>
-            </a:r>
-          </a:p>
-        </p:txBody>
-      </p:sp>
-      <p:sp>
-        <p:nvSpPr>
-          <p:cNvPr id="10" name="Content Placeholder 3">
-            <a:extLst>
-              <a:ext uri="{FF2B5EF4-FFF2-40B4-BE49-F238E27FC236}">
-                <a16:creationId xmlns:a16="http://schemas.microsoft.com/office/drawing/2014/main" id="{1D641075-C8B8-40A8-82C3-0868FFAD725A}"/>
-              </a:ext>
-            </a:extLst>
-          </p:cNvPr>
-          <p:cNvSpPr>
-            <a:spLocks noGrp="1"/>
-          </p:cNvSpPr>
-          <p:nvPr>
-            <p:ph sz="half" idx="2"/>
-          </p:nvPr>
-        </p:nvSpPr>
-        <p:spPr>
-          <a:xfrm>
-            <a:off x="6521848" y="1369219"/>
-            <a:ext cx="2494258" cy="3263504"/>
-          </a:xfrm>
-        </p:spPr>
-        <p:txBody>
-          <a:bodyPr/>
-          <a:lstStyle/>
-          <a:p>
-            <a:r>
-              <a:rPr lang="en-US" dirty="0"/>
-              <a:t>What if we controlled </a:t>
-            </a:r>
-            <a:r>
-              <a:rPr lang="en-US" b="1" i="1" dirty="0"/>
-              <a:t>A</a:t>
-            </a:r>
-            <a:r>
-              <a:rPr lang="en-US" dirty="0"/>
-              <a:t> and </a:t>
-            </a:r>
-            <a:r>
-              <a:rPr lang="en-US" b="1" i="1" dirty="0"/>
-              <a:t>C</a:t>
-            </a:r>
-            <a:r>
-              <a:rPr lang="en-US" dirty="0"/>
-              <a:t>? </a:t>
-            </a:r>
-          </a:p>
-          <a:p>
-            <a:endParaRPr lang="en-US" dirty="0"/>
-          </a:p>
-          <a:p>
-            <a:r>
-              <a:rPr lang="en-US" dirty="0"/>
-              <a:t>Control </a:t>
-            </a:r>
-            <a:r>
-              <a:rPr lang="en-US" i="1" dirty="0"/>
-              <a:t>location</a:t>
-            </a:r>
-            <a:r>
-              <a:rPr lang="en-US" dirty="0"/>
-              <a:t> (C)of write and </a:t>
-            </a:r>
-            <a:r>
-              <a:rPr lang="en-US" i="1" dirty="0"/>
-              <a:t>value (A) </a:t>
-            </a:r>
-            <a:r>
-              <a:rPr lang="en-US" dirty="0"/>
-              <a:t>!</a:t>
-            </a:r>
-          </a:p>
-          <a:p>
-            <a:endParaRPr lang="en-US" dirty="0"/>
-          </a:p>
-        </p:txBody>
-      </p:sp>
       <p:pic>
         <p:nvPicPr>
           <p:cNvPr id="7" name="Content Placeholder 6" descr="Corrupted FD (C) and BK (B) chunks">
@@ -29296,10 +29184,10 @@
       </p:pic>
       <p:pic>
         <p:nvPicPr>
-          <p:cNvPr id="9" name="Picture 8" descr="Unlink macro with easy variable subs">
+          <p:cNvPr id="8" name="Picture 7" descr="Unlink macro: replaced FD with A and BK with C and P with B">
             <a:extLst>
               <a:ext uri="{FF2B5EF4-FFF2-40B4-BE49-F238E27FC236}">
-                <a16:creationId xmlns:a16="http://schemas.microsoft.com/office/drawing/2014/main" id="{A56DB3B8-172C-A442-80B2-5EC57BF2856D}"/>
+                <a16:creationId xmlns:a16="http://schemas.microsoft.com/office/drawing/2014/main" id="{FE74A88B-2338-5141-8B5E-62202C7610D3}"/>
               </a:ext>
             </a:extLst>
           </p:cNvPr>
@@ -29316,14 +29204,126 @@
         </p:blipFill>
         <p:spPr>
           <a:xfrm>
-            <a:off x="2426178" y="2932881"/>
-            <a:ext cx="4095670" cy="2061765"/>
+            <a:off x="2230399" y="3202632"/>
+            <a:ext cx="3334749" cy="1643555"/>
           </a:xfrm>
           <a:prstGeom prst="rect">
             <a:avLst/>
           </a:prstGeom>
         </p:spPr>
       </p:pic>
+      <p:sp>
+        <p:nvSpPr>
+          <p:cNvPr id="2" name="Title 1">
+            <a:extLst>
+              <a:ext uri="{FF2B5EF4-FFF2-40B4-BE49-F238E27FC236}">
+                <a16:creationId xmlns:a16="http://schemas.microsoft.com/office/drawing/2014/main" id="{C80281A4-A325-8E4D-A866-CFF7EF2C905F}"/>
+              </a:ext>
+            </a:extLst>
+          </p:cNvPr>
+          <p:cNvSpPr>
+            <a:spLocks noGrp="1"/>
+          </p:cNvSpPr>
+          <p:nvPr>
+            <p:ph type="title"/>
+          </p:nvPr>
+        </p:nvSpPr>
+        <p:spPr>
+          <a:xfrm>
+            <a:off x="628650" y="273847"/>
+            <a:ext cx="7886700" cy="994172"/>
+          </a:xfrm>
+        </p:spPr>
+        <p:txBody>
+          <a:bodyPr anchor="ctr">
+            <a:normAutofit/>
+          </a:bodyPr>
+          <a:lstStyle/>
+          <a:p>
+            <a:r>
+              <a:rPr lang="en-US" dirty="0"/>
+              <a:t>Corrupted Unlink</a:t>
+            </a:r>
+          </a:p>
+        </p:txBody>
+      </p:sp>
+      <p:sp>
+        <p:nvSpPr>
+          <p:cNvPr id="10" name="Content Placeholder 3">
+            <a:extLst>
+              <a:ext uri="{FF2B5EF4-FFF2-40B4-BE49-F238E27FC236}">
+                <a16:creationId xmlns:a16="http://schemas.microsoft.com/office/drawing/2014/main" id="{1D641075-C8B8-40A8-82C3-0868FFAD725A}"/>
+              </a:ext>
+            </a:extLst>
+          </p:cNvPr>
+          <p:cNvSpPr>
+            <a:spLocks noGrp="1"/>
+          </p:cNvSpPr>
+          <p:nvPr>
+            <p:ph sz="half" idx="2"/>
+          </p:nvPr>
+        </p:nvSpPr>
+        <p:spPr>
+          <a:xfrm>
+            <a:off x="6521848" y="1369219"/>
+            <a:ext cx="2494258" cy="3263504"/>
+          </a:xfrm>
+        </p:spPr>
+        <p:txBody>
+          <a:bodyPr/>
+          <a:lstStyle/>
+          <a:p>
+            <a:r>
+              <a:rPr lang="en-US" dirty="0"/>
+              <a:t>What if we controlled </a:t>
+            </a:r>
+            <a:r>
+              <a:rPr lang="en-US" b="1" i="1" dirty="0"/>
+              <a:t>A</a:t>
+            </a:r>
+            <a:r>
+              <a:rPr lang="en-US" dirty="0"/>
+              <a:t> and </a:t>
+            </a:r>
+            <a:r>
+              <a:rPr lang="en-US" b="1" i="1" dirty="0"/>
+              <a:t>C</a:t>
+            </a:r>
+            <a:r>
+              <a:rPr lang="en-US" dirty="0"/>
+              <a:t>? </a:t>
+            </a:r>
+          </a:p>
+          <a:p>
+            <a:endParaRPr lang="en-US" dirty="0"/>
+          </a:p>
+          <a:p>
+            <a:r>
+              <a:rPr lang="en-US" dirty="0"/>
+              <a:t>Control </a:t>
+            </a:r>
+            <a:r>
+              <a:rPr lang="en-US" i="1" dirty="0"/>
+              <a:t>location</a:t>
+            </a:r>
+            <a:r>
+              <a:rPr lang="en-US" dirty="0"/>
+              <a:t> (C)of write and </a:t>
+            </a:r>
+            <a:r>
+              <a:rPr lang="en-US" i="1" dirty="0"/>
+              <a:t>value (A) </a:t>
+            </a:r>
+            <a:r>
+              <a:rPr lang="en-US" dirty="0"/>
+              <a:t>!</a:t>
+            </a:r>
+          </a:p>
+          <a:p>
+            <a:endParaRPr lang="en-US" dirty="0"/>
+          </a:p>
+        </p:txBody>
+      </p:sp>
       <p:cxnSp>
         <p:nvCxnSpPr>
           <p:cNvPr id="11" name="Straight Connector 10">
@@ -29340,7 +29340,7 @@
         </p:nvCxnSpPr>
         <p:spPr>
           <a:xfrm>
-            <a:off x="2886658" y="4372558"/>
+            <a:off x="2604317" y="4198822"/>
             <a:ext cx="1293456" cy="0"/>
           </a:xfrm>
           <a:prstGeom prst="line">
